--- a/專題報告.pptx
+++ b/專題報告.pptx
@@ -8,6 +8,7 @@
   <p:sldIdLst>
     <p:sldId id="256" r:id="rId3"/>
     <p:sldId id="257" r:id="rId4"/>
+    <p:sldId id="258" r:id="rId5"/>
   </p:sldIdLst>
   <p:sldSz cx="12192000" cy="6858000"/>
   <p:notesSz cx="6858000" cy="9144000"/>
@@ -106,6 +107,11 @@
       </a:defRPr>
     </a:lvl9pPr>
   </p:defaultTextStyle>
+  <p:extLst>
+    <p:ext uri="{EFAFB233-063F-42B5-8137-9DF3F51BA10A}">
+      <p15:sldGuideLst xmlns:p15="http://schemas.microsoft.com/office/powerpoint/2012/main"/>
+    </p:ext>
+  </p:extLst>
 </p:presentation>
 </file>
 
@@ -251,7 +257,7 @@
           <a:p>
             <a:fld id="{6575C178-89CF-4DCA-8A36-6A92397664DA}" type="datetimeFigureOut">
               <a:rPr lang="zh-TW" altLang="en-US" smtClean="0"/>
-              <a:t>2021/6/18</a:t>
+              <a:t>2021/6/20</a:t>
             </a:fld>
             <a:endParaRPr lang="zh-TW" altLang="en-US"/>
           </a:p>
@@ -421,7 +427,7 @@
           <a:p>
             <a:fld id="{6575C178-89CF-4DCA-8A36-6A92397664DA}" type="datetimeFigureOut">
               <a:rPr lang="zh-TW" altLang="en-US" smtClean="0"/>
-              <a:t>2021/6/18</a:t>
+              <a:t>2021/6/20</a:t>
             </a:fld>
             <a:endParaRPr lang="zh-TW" altLang="en-US"/>
           </a:p>
@@ -601,7 +607,7 @@
           <a:p>
             <a:fld id="{6575C178-89CF-4DCA-8A36-6A92397664DA}" type="datetimeFigureOut">
               <a:rPr lang="zh-TW" altLang="en-US" smtClean="0"/>
-              <a:t>2021/6/18</a:t>
+              <a:t>2021/6/20</a:t>
             </a:fld>
             <a:endParaRPr lang="zh-TW" altLang="en-US"/>
           </a:p>
@@ -2071,7 +2077,7 @@
           <a:p>
             <a:fld id="{6575C178-89CF-4DCA-8A36-6A92397664DA}" type="datetimeFigureOut">
               <a:rPr lang="zh-TW" altLang="en-US" smtClean="0"/>
-              <a:t>2021/6/18</a:t>
+              <a:t>2021/6/20</a:t>
             </a:fld>
             <a:endParaRPr lang="zh-TW" altLang="en-US"/>
           </a:p>
@@ -3530,7 +3536,7 @@
           <a:p>
             <a:fld id="{6575C178-89CF-4DCA-8A36-6A92397664DA}" type="datetimeFigureOut">
               <a:rPr lang="zh-TW" altLang="en-US" smtClean="0"/>
-              <a:t>2021/6/18</a:t>
+              <a:t>2021/6/20</a:t>
             </a:fld>
             <a:endParaRPr lang="zh-TW" altLang="en-US"/>
           </a:p>
@@ -5038,7 +5044,7 @@
           <a:p>
             <a:fld id="{6575C178-89CF-4DCA-8A36-6A92397664DA}" type="datetimeFigureOut">
               <a:rPr lang="zh-TW" altLang="en-US" smtClean="0"/>
-              <a:t>2021/6/18</a:t>
+              <a:t>2021/6/20</a:t>
             </a:fld>
             <a:endParaRPr lang="zh-TW" altLang="en-US"/>
           </a:p>
@@ -6559,7 +6565,7 @@
           <a:p>
             <a:fld id="{6575C178-89CF-4DCA-8A36-6A92397664DA}" type="datetimeFigureOut">
               <a:rPr lang="zh-TW" altLang="en-US" smtClean="0"/>
-              <a:t>2021/6/18</a:t>
+              <a:t>2021/6/20</a:t>
             </a:fld>
             <a:endParaRPr lang="zh-TW" altLang="en-US"/>
           </a:p>
@@ -8224,7 +8230,7 @@
           <a:p>
             <a:fld id="{6575C178-89CF-4DCA-8A36-6A92397664DA}" type="datetimeFigureOut">
               <a:rPr lang="zh-TW" altLang="en-US" smtClean="0"/>
-              <a:t>2021/6/18</a:t>
+              <a:t>2021/6/20</a:t>
             </a:fld>
             <a:endParaRPr lang="zh-TW" altLang="en-US"/>
           </a:p>
@@ -9622,7 +9628,7 @@
           <a:p>
             <a:fld id="{6575C178-89CF-4DCA-8A36-6A92397664DA}" type="datetimeFigureOut">
               <a:rPr lang="zh-TW" altLang="en-US" smtClean="0"/>
-              <a:t>2021/6/18</a:t>
+              <a:t>2021/6/20</a:t>
             </a:fld>
             <a:endParaRPr lang="zh-TW" altLang="en-US"/>
           </a:p>
@@ -9722,7 +9728,7 @@
           <a:p>
             <a:fld id="{6575C178-89CF-4DCA-8A36-6A92397664DA}" type="datetimeFigureOut">
               <a:rPr lang="zh-TW" altLang="en-US" smtClean="0"/>
-              <a:t>2021/6/18</a:t>
+              <a:t>2021/6/20</a:t>
             </a:fld>
             <a:endParaRPr lang="zh-TW" altLang="en-US"/>
           </a:p>
@@ -11248,7 +11254,7 @@
           <a:p>
             <a:fld id="{6575C178-89CF-4DCA-8A36-6A92397664DA}" type="datetimeFigureOut">
               <a:rPr lang="zh-TW" altLang="en-US" smtClean="0"/>
-              <a:t>2021/6/18</a:t>
+              <a:t>2021/6/20</a:t>
             </a:fld>
             <a:endParaRPr lang="zh-TW" altLang="en-US"/>
           </a:p>
@@ -11418,7 +11424,7 @@
           <a:p>
             <a:fld id="{6575C178-89CF-4DCA-8A36-6A92397664DA}" type="datetimeFigureOut">
               <a:rPr lang="zh-TW" altLang="en-US" smtClean="0"/>
-              <a:t>2021/6/18</a:t>
+              <a:t>2021/6/20</a:t>
             </a:fld>
             <a:endParaRPr lang="zh-TW" altLang="en-US"/>
           </a:p>
@@ -12954,7 +12960,7 @@
           <a:p>
             <a:fld id="{6575C178-89CF-4DCA-8A36-6A92397664DA}" type="datetimeFigureOut">
               <a:rPr lang="zh-TW" altLang="en-US" smtClean="0"/>
-              <a:t>2021/6/18</a:t>
+              <a:t>2021/6/20</a:t>
             </a:fld>
             <a:endParaRPr lang="zh-TW" altLang="en-US"/>
           </a:p>
@@ -14409,7 +14415,7 @@
           <a:p>
             <a:fld id="{6575C178-89CF-4DCA-8A36-6A92397664DA}" type="datetimeFigureOut">
               <a:rPr lang="zh-TW" altLang="en-US" smtClean="0"/>
-              <a:t>2021/6/18</a:t>
+              <a:t>2021/6/20</a:t>
             </a:fld>
             <a:endParaRPr lang="zh-TW" altLang="en-US"/>
           </a:p>
@@ -15862,7 +15868,7 @@
           <a:p>
             <a:fld id="{6575C178-89CF-4DCA-8A36-6A92397664DA}" type="datetimeFigureOut">
               <a:rPr lang="zh-TW" altLang="en-US" smtClean="0"/>
-              <a:t>2021/6/18</a:t>
+              <a:t>2021/6/20</a:t>
             </a:fld>
             <a:endParaRPr lang="zh-TW" altLang="en-US"/>
           </a:p>
@@ -16123,7 +16129,7 @@
           <a:p>
             <a:fld id="{6575C178-89CF-4DCA-8A36-6A92397664DA}" type="datetimeFigureOut">
               <a:rPr lang="zh-TW" altLang="en-US" smtClean="0"/>
-              <a:t>2021/6/18</a:t>
+              <a:t>2021/6/20</a:t>
             </a:fld>
             <a:endParaRPr lang="zh-TW" altLang="en-US"/>
           </a:p>
@@ -16355,7 +16361,7 @@
           <a:p>
             <a:fld id="{6575C178-89CF-4DCA-8A36-6A92397664DA}" type="datetimeFigureOut">
               <a:rPr lang="zh-TW" altLang="en-US" smtClean="0"/>
-              <a:t>2021/6/18</a:t>
+              <a:t>2021/6/20</a:t>
             </a:fld>
             <a:endParaRPr lang="zh-TW" altLang="en-US"/>
           </a:p>
@@ -16702,7 +16708,7 @@
           <a:p>
             <a:fld id="{6575C178-89CF-4DCA-8A36-6A92397664DA}" type="datetimeFigureOut">
               <a:rPr lang="zh-TW" altLang="en-US" smtClean="0"/>
-              <a:t>2021/6/18</a:t>
+              <a:t>2021/6/20</a:t>
             </a:fld>
             <a:endParaRPr lang="zh-TW" altLang="en-US"/>
           </a:p>
@@ -16820,7 +16826,7 @@
           <a:p>
             <a:fld id="{6575C178-89CF-4DCA-8A36-6A92397664DA}" type="datetimeFigureOut">
               <a:rPr lang="zh-TW" altLang="en-US" smtClean="0"/>
-              <a:t>2021/6/18</a:t>
+              <a:t>2021/6/20</a:t>
             </a:fld>
             <a:endParaRPr lang="zh-TW" altLang="en-US"/>
           </a:p>
@@ -16938,7 +16944,7 @@
           <a:p>
             <a:fld id="{6575C178-89CF-4DCA-8A36-6A92397664DA}" type="datetimeFigureOut">
               <a:rPr lang="zh-TW" altLang="en-US" smtClean="0"/>
-              <a:t>2021/6/18</a:t>
+              <a:t>2021/6/20</a:t>
             </a:fld>
             <a:endParaRPr lang="zh-TW" altLang="en-US"/>
           </a:p>
@@ -17222,7 +17228,7 @@
           <a:p>
             <a:fld id="{6575C178-89CF-4DCA-8A36-6A92397664DA}" type="datetimeFigureOut">
               <a:rPr lang="zh-TW" altLang="en-US" smtClean="0"/>
-              <a:t>2021/6/18</a:t>
+              <a:t>2021/6/20</a:t>
             </a:fld>
             <a:endParaRPr lang="zh-TW" altLang="en-US"/>
           </a:p>
@@ -17486,7 +17492,7 @@
           <a:p>
             <a:fld id="{6575C178-89CF-4DCA-8A36-6A92397664DA}" type="datetimeFigureOut">
               <a:rPr lang="zh-TW" altLang="en-US" smtClean="0"/>
-              <a:t>2021/6/18</a:t>
+              <a:t>2021/6/20</a:t>
             </a:fld>
             <a:endParaRPr lang="zh-TW" altLang="en-US"/>
           </a:p>
@@ -17700,7 +17706,7 @@
           <a:p>
             <a:fld id="{6575C178-89CF-4DCA-8A36-6A92397664DA}" type="datetimeFigureOut">
               <a:rPr lang="zh-TW" altLang="en-US" smtClean="0"/>
-              <a:t>2021/6/18</a:t>
+              <a:t>2021/6/20</a:t>
             </a:fld>
             <a:endParaRPr lang="zh-TW" altLang="en-US"/>
           </a:p>
@@ -18261,7 +18267,7 @@
           <a:p>
             <a:fld id="{6575C178-89CF-4DCA-8A36-6A92397664DA}" type="datetimeFigureOut">
               <a:rPr lang="zh-TW" altLang="en-US" smtClean="0"/>
-              <a:t>2021/6/18</a:t>
+              <a:t>2021/6/20</a:t>
             </a:fld>
             <a:endParaRPr lang="zh-TW" altLang="en-US"/>
           </a:p>
@@ -18849,10 +18855,265 @@
         </p:nvSpPr>
         <p:spPr/>
         <p:txBody>
+          <a:bodyPr>
+            <a:normAutofit/>
+          </a:bodyPr>
+          <a:lstStyle/>
+          <a:p>
+            <a:r>
+              <a:rPr lang="zh-TW" altLang="en-US" sz="5400" dirty="0" smtClean="0">
+                <a:latin typeface="王漢宗空疊圓繁" panose="02000500000000000000" pitchFamily="2" charset="-120"/>
+                <a:ea typeface="王漢宗空疊圓繁" panose="02000500000000000000" pitchFamily="2" charset="-120"/>
+              </a:rPr>
+              <a:t>特色</a:t>
+            </a:r>
+            <a:endParaRPr lang="zh-TW" altLang="en-US" sz="5400" dirty="0">
+              <a:latin typeface="王漢宗空疊圓繁" panose="02000500000000000000" pitchFamily="2" charset="-120"/>
+              <a:ea typeface="王漢宗空疊圓繁" panose="02000500000000000000" pitchFamily="2" charset="-120"/>
+            </a:endParaRPr>
+          </a:p>
+        </p:txBody>
+      </p:sp>
+      <p:sp>
+        <p:nvSpPr>
+          <p:cNvPr id="3" name="內容版面配置區 2"/>
+          <p:cNvSpPr>
+            <a:spLocks noGrp="1"/>
+          </p:cNvSpPr>
+          <p:nvPr>
+            <p:ph idx="1"/>
+          </p:nvPr>
+        </p:nvSpPr>
+        <p:spPr>
+          <a:xfrm>
+            <a:off x="5118447" y="803186"/>
+            <a:ext cx="6283844" cy="5248622"/>
+          </a:xfrm>
+        </p:spPr>
+        <p:txBody>
           <a:bodyPr/>
           <a:lstStyle/>
           <a:p>
-            <a:endParaRPr lang="zh-TW" altLang="en-US" dirty="0"/>
+            <a:r>
+              <a:rPr lang="zh-TW" altLang="en-US" dirty="0" smtClean="0">
+                <a:latin typeface="標楷體" panose="03000509000000000000" pitchFamily="65" charset="-120"/>
+                <a:ea typeface="標楷體" panose="03000509000000000000" pitchFamily="65" charset="-120"/>
+              </a:rPr>
+              <a:t>玩家可以選擇自己的號碼以及其他對手的</a:t>
+            </a:r>
+            <a:r>
+              <a:rPr lang="en-US" altLang="zh-TW" dirty="0" smtClean="0">
+                <a:latin typeface="標楷體" panose="03000509000000000000" pitchFamily="65" charset="-120"/>
+                <a:ea typeface="標楷體" panose="03000509000000000000" pitchFamily="65" charset="-120"/>
+              </a:rPr>
+              <a:t>level(</a:t>
+            </a:r>
+            <a:r>
+              <a:rPr lang="zh-TW" altLang="en-US" dirty="0" smtClean="0">
+                <a:latin typeface="標楷體" panose="03000509000000000000" pitchFamily="65" charset="-120"/>
+                <a:ea typeface="標楷體" panose="03000509000000000000" pitchFamily="65" charset="-120"/>
+              </a:rPr>
+              <a:t>有兩個等級</a:t>
+            </a:r>
+            <a:r>
+              <a:rPr lang="en-US" altLang="zh-TW" dirty="0" smtClean="0">
+                <a:latin typeface="標楷體" panose="03000509000000000000" pitchFamily="65" charset="-120"/>
+                <a:ea typeface="標楷體" panose="03000509000000000000" pitchFamily="65" charset="-120"/>
+              </a:rPr>
+              <a:t>)</a:t>
+            </a:r>
+            <a:br>
+              <a:rPr lang="en-US" altLang="zh-TW" dirty="0" smtClean="0">
+                <a:latin typeface="標楷體" panose="03000509000000000000" pitchFamily="65" charset="-120"/>
+                <a:ea typeface="標楷體" panose="03000509000000000000" pitchFamily="65" charset="-120"/>
+              </a:rPr>
+            </a:br>
+            <a:r>
+              <a:rPr lang="zh-TW" altLang="en-US" dirty="0">
+                <a:latin typeface="標楷體" panose="03000509000000000000" pitchFamily="65" charset="-120"/>
+                <a:ea typeface="標楷體" panose="03000509000000000000" pitchFamily="65" charset="-120"/>
+              </a:rPr>
+              <a:t>等級</a:t>
+            </a:r>
+            <a:r>
+              <a:rPr lang="zh-TW" altLang="en-US" dirty="0" smtClean="0">
+                <a:latin typeface="標楷體" panose="03000509000000000000" pitchFamily="65" charset="-120"/>
+                <a:ea typeface="標楷體" panose="03000509000000000000" pitchFamily="65" charset="-120"/>
+              </a:rPr>
+              <a:t>設計</a:t>
+            </a:r>
+            <a:r>
+              <a:rPr lang="en-US" altLang="zh-TW" dirty="0" smtClean="0">
+                <a:latin typeface="標楷體" panose="03000509000000000000" pitchFamily="65" charset="-120"/>
+                <a:ea typeface="標楷體" panose="03000509000000000000" pitchFamily="65" charset="-120"/>
+              </a:rPr>
+              <a:t>:</a:t>
+            </a:r>
+            <a:br>
+              <a:rPr lang="en-US" altLang="zh-TW" dirty="0" smtClean="0">
+                <a:latin typeface="標楷體" panose="03000509000000000000" pitchFamily="65" charset="-120"/>
+                <a:ea typeface="標楷體" panose="03000509000000000000" pitchFamily="65" charset="-120"/>
+              </a:rPr>
+            </a:br>
+            <a:r>
+              <a:rPr lang="zh-TW" altLang="en-US" smtClean="0">
+                <a:latin typeface="標楷體" panose="03000509000000000000" pitchFamily="65" charset="-120"/>
+                <a:ea typeface="標楷體" panose="03000509000000000000" pitchFamily="65" charset="-120"/>
+              </a:rPr>
+              <a:t>根據</a:t>
+            </a:r>
+            <a:r>
+              <a:rPr lang="zh-TW" altLang="en-US" dirty="0" smtClean="0">
+                <a:latin typeface="標楷體" panose="03000509000000000000" pitchFamily="65" charset="-120"/>
+                <a:ea typeface="標楷體" panose="03000509000000000000" pitchFamily="65" charset="-120"/>
+              </a:rPr>
+              <a:t>情況判斷該優先選擇的角色，以及該優先出的牌</a:t>
+            </a:r>
+            <a:endParaRPr lang="en-US" altLang="zh-TW" dirty="0" smtClean="0">
+              <a:latin typeface="標楷體" panose="03000509000000000000" pitchFamily="65" charset="-120"/>
+              <a:ea typeface="標楷體" panose="03000509000000000000" pitchFamily="65" charset="-120"/>
+            </a:endParaRPr>
+          </a:p>
+          <a:p>
+            <a:r>
+              <a:rPr lang="zh-TW" altLang="en-US" dirty="0">
+                <a:latin typeface="標楷體" panose="03000509000000000000" pitchFamily="65" charset="-120"/>
+                <a:ea typeface="標楷體" panose="03000509000000000000" pitchFamily="65" charset="-120"/>
+              </a:rPr>
+              <a:t>選擇多張卡牌時，可以</a:t>
+            </a:r>
+            <a:r>
+              <a:rPr lang="zh-TW" altLang="en-US" dirty="0" smtClean="0">
+                <a:latin typeface="標楷體" panose="03000509000000000000" pitchFamily="65" charset="-120"/>
+                <a:ea typeface="標楷體" panose="03000509000000000000" pitchFamily="65" charset="-120"/>
+              </a:rPr>
+              <a:t>一次全部輸入</a:t>
+            </a:r>
+            <a:r>
+              <a:rPr lang="en-US" altLang="zh-TW" dirty="0" smtClean="0">
+                <a:latin typeface="標楷體" panose="03000509000000000000" pitchFamily="65" charset="-120"/>
+                <a:ea typeface="標楷體" panose="03000509000000000000" pitchFamily="65" charset="-120"/>
+              </a:rPr>
+              <a:t>(</a:t>
+            </a:r>
+            <a:r>
+              <a:rPr lang="zh-TW" altLang="en-US" dirty="0" smtClean="0">
+                <a:latin typeface="標楷體" panose="03000509000000000000" pitchFamily="65" charset="-120"/>
+                <a:ea typeface="標楷體" panose="03000509000000000000" pitchFamily="65" charset="-120"/>
+              </a:rPr>
+              <a:t>在一行內單純以空格分割</a:t>
+            </a:r>
+            <a:r>
+              <a:rPr lang="en-US" altLang="zh-TW" dirty="0" smtClean="0">
+                <a:latin typeface="標楷體" panose="03000509000000000000" pitchFamily="65" charset="-120"/>
+                <a:ea typeface="標楷體" panose="03000509000000000000" pitchFamily="65" charset="-120"/>
+              </a:rPr>
+              <a:t>)</a:t>
+            </a:r>
+            <a:r>
+              <a:rPr lang="zh-TW" altLang="en-US" dirty="0" smtClean="0">
+                <a:latin typeface="標楷體" panose="03000509000000000000" pitchFamily="65" charset="-120"/>
+                <a:ea typeface="標楷體" panose="03000509000000000000" pitchFamily="65" charset="-120"/>
+              </a:rPr>
+              <a:t>，也可分次輸入</a:t>
+            </a:r>
+            <a:r>
+              <a:rPr lang="en-US" altLang="zh-TW" dirty="0" smtClean="0">
+                <a:latin typeface="標楷體" panose="03000509000000000000" pitchFamily="65" charset="-120"/>
+                <a:ea typeface="標楷體" panose="03000509000000000000" pitchFamily="65" charset="-120"/>
+              </a:rPr>
+              <a:t>(</a:t>
+            </a:r>
+            <a:r>
+              <a:rPr lang="zh-TW" altLang="en-US" dirty="0" smtClean="0">
+                <a:latin typeface="標楷體" panose="03000509000000000000" pitchFamily="65" charset="-120"/>
+                <a:ea typeface="標楷體" panose="03000509000000000000" pitchFamily="65" charset="-120"/>
+              </a:rPr>
+              <a:t>分行輸入</a:t>
+            </a:r>
+            <a:r>
+              <a:rPr lang="en-US" altLang="zh-TW" dirty="0" smtClean="0">
+                <a:latin typeface="標楷體" panose="03000509000000000000" pitchFamily="65" charset="-120"/>
+                <a:ea typeface="標楷體" panose="03000509000000000000" pitchFamily="65" charset="-120"/>
+              </a:rPr>
+              <a:t>)</a:t>
+            </a:r>
+            <a:r>
+              <a:rPr lang="zh-TW" altLang="en-US" dirty="0" smtClean="0">
+                <a:latin typeface="標楷體" panose="03000509000000000000" pitchFamily="65" charset="-120"/>
+                <a:ea typeface="標楷體" panose="03000509000000000000" pitchFamily="65" charset="-120"/>
+              </a:rPr>
+              <a:t>，且不用按照卡牌順序</a:t>
+            </a:r>
+            <a:r>
+              <a:rPr lang="zh-TW" altLang="en-US" dirty="0" smtClean="0">
+                <a:latin typeface="標楷體" panose="03000509000000000000" pitchFamily="65" charset="-120"/>
+                <a:ea typeface="標楷體" panose="03000509000000000000" pitchFamily="65" charset="-120"/>
+              </a:rPr>
+              <a:t>。</a:t>
+            </a:r>
+            <a:endParaRPr lang="en-US" altLang="zh-TW" dirty="0" smtClean="0">
+              <a:latin typeface="標楷體" panose="03000509000000000000" pitchFamily="65" charset="-120"/>
+              <a:ea typeface="標楷體" panose="03000509000000000000" pitchFamily="65" charset="-120"/>
+            </a:endParaRPr>
+          </a:p>
+        </p:txBody>
+      </p:sp>
+    </p:spTree>
+    <p:extLst>
+      <p:ext uri="{BB962C8B-B14F-4D97-AF65-F5344CB8AC3E}">
+        <p14:creationId xmlns:p14="http://schemas.microsoft.com/office/powerpoint/2010/main" val="3642006137"/>
+      </p:ext>
+    </p:extLst>
+  </p:cSld>
+  <p:clrMapOvr>
+    <a:masterClrMapping/>
+  </p:clrMapOvr>
+</p:sld>
+</file>
+
+<file path=ppt/slides/slide3.xml><?xml version="1.0" encoding="utf-8"?>
+<p:sld xmlns:a="http://schemas.openxmlformats.org/drawingml/2006/main" xmlns:r="http://schemas.openxmlformats.org/officeDocument/2006/relationships" xmlns:p="http://schemas.openxmlformats.org/presentationml/2006/main">
+  <p:cSld>
+    <p:spTree>
+      <p:nvGrpSpPr>
+        <p:cNvPr id="1" name=""/>
+        <p:cNvGrpSpPr/>
+        <p:nvPr/>
+      </p:nvGrpSpPr>
+      <p:grpSpPr>
+        <a:xfrm>
+          <a:off x="0" y="0"/>
+          <a:ext cx="0" cy="0"/>
+          <a:chOff x="0" y="0"/>
+          <a:chExt cx="0" cy="0"/>
+        </a:xfrm>
+      </p:grpSpPr>
+      <p:sp>
+        <p:nvSpPr>
+          <p:cNvPr id="2" name="標題 1"/>
+          <p:cNvSpPr>
+            <a:spLocks noGrp="1"/>
+          </p:cNvSpPr>
+          <p:nvPr>
+            <p:ph type="title"/>
+          </p:nvPr>
+        </p:nvSpPr>
+        <p:spPr/>
+        <p:txBody>
+          <a:bodyPr>
+            <a:normAutofit/>
+          </a:bodyPr>
+          <a:lstStyle/>
+          <a:p>
+            <a:r>
+              <a:rPr lang="zh-TW" altLang="en-US" sz="5400" dirty="0">
+                <a:latin typeface="王漢宗空疊圓繁" panose="02000500000000000000" pitchFamily="2" charset="-120"/>
+                <a:ea typeface="王漢宗空疊圓繁" panose="02000500000000000000" pitchFamily="2" charset="-120"/>
+              </a:rPr>
+              <a:t>特色</a:t>
+            </a:r>
+            <a:endParaRPr lang="zh-TW" altLang="en-US" sz="5400" dirty="0"/>
           </a:p>
         </p:txBody>
       </p:sp>
@@ -18871,14 +19132,184 @@
           <a:bodyPr/>
           <a:lstStyle/>
           <a:p>
-            <a:endParaRPr lang="zh-TW" altLang="en-US" dirty="0"/>
+            <a:r>
+              <a:rPr lang="zh-TW" altLang="en-US" dirty="0" smtClean="0">
+                <a:latin typeface="標楷體" panose="03000509000000000000" pitchFamily="65" charset="-120"/>
+                <a:ea typeface="標楷體" panose="03000509000000000000" pitchFamily="65" charset="-120"/>
+              </a:rPr>
+              <a:t>每一</a:t>
+            </a:r>
+            <a:r>
+              <a:rPr lang="zh-TW" altLang="en-US" dirty="0">
+                <a:latin typeface="標楷體" panose="03000509000000000000" pitchFamily="65" charset="-120"/>
+                <a:ea typeface="標楷體" panose="03000509000000000000" pitchFamily="65" charset="-120"/>
+              </a:rPr>
+              <a:t>輪可以選擇要察看</a:t>
+            </a:r>
+            <a:r>
+              <a:rPr lang="zh-TW" altLang="en-US" dirty="0" smtClean="0">
+                <a:latin typeface="標楷體" panose="03000509000000000000" pitchFamily="65" charset="-120"/>
+                <a:ea typeface="標楷體" panose="03000509000000000000" pitchFamily="65" charset="-120"/>
+              </a:rPr>
+              <a:t>手牌、牌局、直接</a:t>
+            </a:r>
+            <a:r>
+              <a:rPr lang="zh-TW" altLang="en-US" dirty="0">
+                <a:latin typeface="標楷體" panose="03000509000000000000" pitchFamily="65" charset="-120"/>
+                <a:ea typeface="標楷體" panose="03000509000000000000" pitchFamily="65" charset="-120"/>
+              </a:rPr>
+              <a:t>跳過，</a:t>
+            </a:r>
+            <a:r>
+              <a:rPr lang="zh-TW" altLang="en-US" dirty="0" smtClean="0">
+                <a:latin typeface="標楷體" panose="03000509000000000000" pitchFamily="65" charset="-120"/>
+                <a:ea typeface="標楷體" panose="03000509000000000000" pitchFamily="65" charset="-120"/>
+              </a:rPr>
+              <a:t>或是直接離開遊戲。</a:t>
+            </a:r>
+            <a:endParaRPr lang="en-US" altLang="zh-TW" dirty="0" smtClean="0">
+              <a:latin typeface="標楷體" panose="03000509000000000000" pitchFamily="65" charset="-120"/>
+              <a:ea typeface="標楷體" panose="03000509000000000000" pitchFamily="65" charset="-120"/>
+            </a:endParaRPr>
+          </a:p>
+          <a:p>
+            <a:r>
+              <a:rPr lang="zh-TW" altLang="en-US" dirty="0">
+                <a:latin typeface="標楷體" panose="03000509000000000000" pitchFamily="65" charset="-120"/>
+                <a:ea typeface="標楷體" panose="03000509000000000000" pitchFamily="65" charset="-120"/>
+              </a:rPr>
+              <a:t>文字介面，不過牌局列印清晰，可以清楚了解手上的卡牌及牌局狀況。</a:t>
+            </a:r>
+            <a:r>
+              <a:rPr lang="en-US" altLang="zh-TW" dirty="0">
+                <a:latin typeface="標楷體" panose="03000509000000000000" pitchFamily="65" charset="-120"/>
+                <a:ea typeface="標楷體" panose="03000509000000000000" pitchFamily="65" charset="-120"/>
+              </a:rPr>
+              <a:t/>
+            </a:r>
+            <a:br>
+              <a:rPr lang="en-US" altLang="zh-TW" dirty="0">
+                <a:latin typeface="標楷體" panose="03000509000000000000" pitchFamily="65" charset="-120"/>
+                <a:ea typeface="標楷體" panose="03000509000000000000" pitchFamily="65" charset="-120"/>
+              </a:rPr>
+            </a:br>
+            <a:r>
+              <a:rPr lang="en-US" altLang="zh-TW" dirty="0">
+                <a:latin typeface="標楷體" panose="03000509000000000000" pitchFamily="65" charset="-120"/>
+                <a:ea typeface="標楷體" panose="03000509000000000000" pitchFamily="65" charset="-120"/>
+              </a:rPr>
+              <a:t>(</a:t>
+            </a:r>
+            <a:r>
+              <a:rPr lang="zh-TW" altLang="en-US" dirty="0">
+                <a:latin typeface="標楷體" panose="03000509000000000000" pitchFamily="65" charset="-120"/>
+                <a:ea typeface="標楷體" panose="03000509000000000000" pitchFamily="65" charset="-120"/>
+              </a:rPr>
+              <a:t>右邊是一般卡牌，左邊是有貨物的卡牌</a:t>
+            </a:r>
+            <a:r>
+              <a:rPr lang="en-US" altLang="zh-TW" dirty="0">
+                <a:latin typeface="標楷體" panose="03000509000000000000" pitchFamily="65" charset="-120"/>
+                <a:ea typeface="標楷體" panose="03000509000000000000" pitchFamily="65" charset="-120"/>
+              </a:rPr>
+              <a:t>)</a:t>
+            </a:r>
+            <a:br>
+              <a:rPr lang="en-US" altLang="zh-TW" dirty="0">
+                <a:latin typeface="標楷體" panose="03000509000000000000" pitchFamily="65" charset="-120"/>
+                <a:ea typeface="標楷體" panose="03000509000000000000" pitchFamily="65" charset="-120"/>
+              </a:rPr>
+            </a:br>
+            <a:r>
+              <a:rPr lang="en-US" altLang="zh-TW" dirty="0">
+                <a:latin typeface="標楷體" panose="03000509000000000000" pitchFamily="65" charset="-120"/>
+                <a:ea typeface="標楷體" panose="03000509000000000000" pitchFamily="65" charset="-120"/>
+              </a:rPr>
+              <a:t>(</a:t>
+            </a:r>
+            <a:r>
+              <a:rPr lang="zh-TW" altLang="en-US" dirty="0">
+                <a:latin typeface="標楷體" panose="03000509000000000000" pitchFamily="65" charset="-120"/>
+                <a:ea typeface="標楷體" panose="03000509000000000000" pitchFamily="65" charset="-120"/>
+              </a:rPr>
+              <a:t>白色是電腦的牌，青色是玩家的牌</a:t>
+            </a:r>
+            <a:r>
+              <a:rPr lang="en-US" altLang="zh-TW" dirty="0" smtClean="0">
+                <a:latin typeface="標楷體" panose="03000509000000000000" pitchFamily="65" charset="-120"/>
+                <a:ea typeface="標楷體" panose="03000509000000000000" pitchFamily="65" charset="-120"/>
+              </a:rPr>
+              <a:t>)</a:t>
+            </a:r>
+            <a:r>
+              <a:rPr lang="en-US" altLang="zh-TW" dirty="0">
+                <a:latin typeface="標楷體" panose="03000509000000000000" pitchFamily="65" charset="-120"/>
+                <a:ea typeface="標楷體" panose="03000509000000000000" pitchFamily="65" charset="-120"/>
+              </a:rPr>
+              <a:t/>
+            </a:r>
+            <a:br>
+              <a:rPr lang="en-US" altLang="zh-TW" dirty="0">
+                <a:latin typeface="標楷體" panose="03000509000000000000" pitchFamily="65" charset="-120"/>
+                <a:ea typeface="標楷體" panose="03000509000000000000" pitchFamily="65" charset="-120"/>
+              </a:rPr>
+            </a:br>
+            <a:endParaRPr lang="zh-TW" altLang="en-US" dirty="0">
+              <a:latin typeface="標楷體" panose="03000509000000000000" pitchFamily="65" charset="-120"/>
+              <a:ea typeface="標楷體" panose="03000509000000000000" pitchFamily="65" charset="-120"/>
+            </a:endParaRPr>
           </a:p>
         </p:txBody>
       </p:sp>
+      <p:pic>
+        <p:nvPicPr>
+          <p:cNvPr id="4" name="圖片 3"/>
+          <p:cNvPicPr>
+            <a:picLocks noChangeAspect="1"/>
+          </p:cNvPicPr>
+          <p:nvPr/>
+        </p:nvPicPr>
+        <p:blipFill>
+          <a:blip r:embed="rId2"/>
+          <a:stretch>
+            <a:fillRect/>
+          </a:stretch>
+        </p:blipFill>
+        <p:spPr>
+          <a:xfrm>
+            <a:off x="7473584" y="4371944"/>
+            <a:ext cx="1314450" cy="1657350"/>
+          </a:xfrm>
+          <a:prstGeom prst="rect">
+            <a:avLst/>
+          </a:prstGeom>
+        </p:spPr>
+      </p:pic>
+      <p:pic>
+        <p:nvPicPr>
+          <p:cNvPr id="5" name="圖片 4"/>
+          <p:cNvPicPr/>
+          <p:nvPr/>
+        </p:nvPicPr>
+        <p:blipFill rotWithShape="1">
+          <a:blip r:embed="rId3"/>
+          <a:srcRect l="2141" t="33195" r="6832"/>
+          <a:stretch/>
+        </p:blipFill>
+        <p:spPr>
+          <a:xfrm>
+            <a:off x="5764274" y="4371944"/>
+            <a:ext cx="1343891" cy="1679864"/>
+          </a:xfrm>
+          <a:prstGeom prst="rect">
+            <a:avLst/>
+          </a:prstGeom>
+        </p:spPr>
+      </p:pic>
     </p:spTree>
     <p:extLst>
       <p:ext uri="{BB962C8B-B14F-4D97-AF65-F5344CB8AC3E}">
-        <p14:creationId xmlns:p14="http://schemas.microsoft.com/office/powerpoint/2010/main" val="3642006137"/>
+        <p14:creationId xmlns:p14="http://schemas.microsoft.com/office/powerpoint/2010/main" val="2023791818"/>
       </p:ext>
     </p:extLst>
   </p:cSld>
